--- a/Lesson59/Lesson Material/03. DBMS en.pptx
+++ b/Lesson59/Lesson Material/03. DBMS en.pptx
@@ -270,10 +270,47 @@
       <p15:sldGuideLst xmlns:p15="http://schemas.microsoft.com/office/powerpoint/2012/main"/>
     </p:ext>
     <p:ext uri="http://customooxmlschemas.google.com/">
-      <go:slidesCustomData xmlns:mc="http://schemas.openxmlformats.org/markup-compatibility/2006" xmlns:mv="urn:schemas-microsoft-com:mac:vml" xmlns:c="http://schemas.openxmlformats.org/drawingml/2006/chart" xmlns:dgm="http://schemas.openxmlformats.org/drawingml/2006/diagram" xmlns:o="urn:schemas-microsoft-com:office:office" xmlns:v="urn:schemas-microsoft-com:vml" xmlns:pvml="urn:schemas-microsoft-com:office:powerpoint" xmlns:com="http://schemas.openxmlformats.org/drawingml/2006/compatibility" xmlns:p14="http://schemas.microsoft.com/office/powerpoint/2010/main" xmlns:p15="http://schemas.microsoft.com/office/powerpoint/2012/main" xmlns:ahyp="http://schemas.microsoft.com/office/drawing/2018/hyperlinkcolor" xmlns:go="http://customooxmlschemas.google.com/" xmlns="" r:id="rId31" roundtripDataSignature="AMtx7miTaCGp+PgZCxn4TS0+O2k8IkJ1MA=="/>
+      <go:slidesCustomData xmlns:go="http://customooxmlschemas.google.com/" xmlns:ahyp="http://schemas.microsoft.com/office/drawing/2018/hyperlinkcolor" xmlns:p15="http://schemas.microsoft.com/office/powerpoint/2012/main" xmlns:p14="http://schemas.microsoft.com/office/powerpoint/2010/main" xmlns:com="http://schemas.openxmlformats.org/drawingml/2006/compatibility" xmlns:pvml="urn:schemas-microsoft-com:office:powerpoint" xmlns:v="urn:schemas-microsoft-com:vml" xmlns:o="urn:schemas-microsoft-com:office:office" xmlns:dgm="http://schemas.openxmlformats.org/drawingml/2006/diagram" xmlns:c="http://schemas.openxmlformats.org/drawingml/2006/chart" xmlns:mv="urn:schemas-microsoft-com:mac:vml" xmlns:mc="http://schemas.openxmlformats.org/markup-compatibility/2006" xmlns="" r:id="rId31" roundtripDataSignature="AMtx7miTaCGp+PgZCxn4TS0+O2k8IkJ1MA=="/>
     </p:ext>
   </p:extLst>
 </p:presentation>
+</file>
+
+<file path=ppt/revisionInfo.xml><?xml version="1.0" encoding="utf-8"?>
+<p1510:revInfo xmlns:a="http://schemas.openxmlformats.org/drawingml/2006/main" xmlns:r="http://schemas.openxmlformats.org/officeDocument/2006/relationships" xmlns:p1510="http://schemas.microsoft.com/office/powerpoint/2015/10/main">
+  <p1510:revLst>
+    <p1510:client id="{02C36D3B-90F8-4AF4-A3F1-EA57F3F269A2}" v="8" dt="2024-02-15T16:05:55.357"/>
+  </p1510:revLst>
+</p1510:revInfo>
+</file>
+
+<file path=ppt/changesInfos/changesInfo1.xml><?xml version="1.0" encoding="utf-8"?>
+<pc:chgInfo xmlns:a="http://schemas.openxmlformats.org/drawingml/2006/main" xmlns:r="http://schemas.openxmlformats.org/officeDocument/2006/relationships" xmlns:ac="http://schemas.microsoft.com/office/drawing/2013/main/command" xmlns:pc="http://schemas.microsoft.com/office/powerpoint/2013/main/command">
+  <pc:docChgLst>
+    <pc:chgData name="Rokas Slaboševičius" userId="S::rokas.slabosevicius@codeacademylt.onmicrosoft.com::5b5a1ad6-e0e0-4118-b388-ee941114d16c" providerId="AD" clId="Web-{02C36D3B-90F8-4AF4-A3F1-EA57F3F269A2}"/>
+    <pc:docChg chg="modSld">
+      <pc:chgData name="Rokas Slaboševičius" userId="S::rokas.slabosevicius@codeacademylt.onmicrosoft.com::5b5a1ad6-e0e0-4118-b388-ee941114d16c" providerId="AD" clId="Web-{02C36D3B-90F8-4AF4-A3F1-EA57F3F269A2}" dt="2024-02-15T16:05:55.357" v="7" actId="20577"/>
+      <pc:docMkLst>
+        <pc:docMk/>
+      </pc:docMkLst>
+      <pc:sldChg chg="modSp">
+        <pc:chgData name="Rokas Slaboševičius" userId="S::rokas.slabosevicius@codeacademylt.onmicrosoft.com::5b5a1ad6-e0e0-4118-b388-ee941114d16c" providerId="AD" clId="Web-{02C36D3B-90F8-4AF4-A3F1-EA57F3F269A2}" dt="2024-02-15T16:05:55.357" v="7" actId="20577"/>
+        <pc:sldMkLst>
+          <pc:docMk/>
+          <pc:sldMk cId="0" sldId="278"/>
+        </pc:sldMkLst>
+        <pc:spChg chg="mod">
+          <ac:chgData name="Rokas Slaboševičius" userId="S::rokas.slabosevicius@codeacademylt.onmicrosoft.com::5b5a1ad6-e0e0-4118-b388-ee941114d16c" providerId="AD" clId="Web-{02C36D3B-90F8-4AF4-A3F1-EA57F3F269A2}" dt="2024-02-15T16:05:55.357" v="7" actId="20577"/>
+          <ac:spMkLst>
+            <pc:docMk/>
+            <pc:sldMk cId="0" sldId="278"/>
+            <ac:spMk id="306" creationId="{00000000-0000-0000-0000-000000000000}"/>
+          </ac:spMkLst>
+        </pc:spChg>
+      </pc:sldChg>
+    </pc:docChg>
+  </pc:docChgLst>
+</pc:chgInfo>
 </file>
 
 <file path=ppt/notesMasters/notesMaster1.xml><?xml version="1.0" encoding="utf-8"?>
@@ -29046,12 +29083,6 @@
               <a:lnSpc>
                 <a:spcPct val="150000"/>
               </a:lnSpc>
-              <a:spcBef>
-                <a:spcPts val="0"/>
-              </a:spcBef>
-              <a:spcAft>
-                <a:spcPts val="0"/>
-              </a:spcAft>
               <a:buClr>
                 <a:schemeClr val="dk1"/>
               </a:buClr>
@@ -29251,27 +29282,20 @@
               </a:rPr>
               <a:t>project</a:t>
             </a:r>
-            <a:endParaRPr>
+            <a:endParaRPr err="1">
               <a:solidFill>
                 <a:schemeClr val="dk1"/>
               </a:solidFill>
               <a:latin typeface="Courier New"/>
               <a:ea typeface="Courier New"/>
               <a:cs typeface="Courier New"/>
-              <a:sym typeface="Courier New"/>
             </a:endParaRPr>
           </a:p>
           <a:p>
-            <a:pPr marL="285750" marR="0" lvl="0" indent="-304800" algn="l" rtl="0">
+            <a:pPr marL="285750" indent="-304800">
               <a:lnSpc>
                 <a:spcPct val="150000"/>
               </a:lnSpc>
-              <a:spcBef>
-                <a:spcPts val="0"/>
-              </a:spcBef>
-              <a:spcAft>
-                <a:spcPts val="0"/>
-              </a:spcAft>
               <a:buClr>
                 <a:schemeClr val="dk1"/>
               </a:buClr>
@@ -29445,7 +29469,7 @@
                 <a:cs typeface="Courier New"/>
                 <a:sym typeface="Courier New"/>
               </a:rPr>
-              <a:t>promoters</a:t>
+              <a:t>people</a:t>
             </a:r>
             <a:r>
               <a:rPr lang="lt-LT">
@@ -29495,18 +29519,14 @@
               </a:rPr>
               <a:t>degree</a:t>
             </a:r>
-            <a:endParaRPr>
+            <a:endParaRPr err="1">
               <a:solidFill>
                 <a:schemeClr val="dk1"/>
               </a:solidFill>
-              <a:latin typeface="Courier New"/>
-              <a:ea typeface="Courier New"/>
-              <a:cs typeface="Courier New"/>
-              <a:sym typeface="Courier New"/>
             </a:endParaRPr>
           </a:p>
           <a:p>
-            <a:pPr marL="285750" marR="0" lvl="0" indent="-304800" algn="l" rtl="0">
+            <a:pPr marL="285750" lvl="0" indent="-304800" algn="l">
               <a:lnSpc>
                 <a:spcPct val="150000"/>
               </a:lnSpc>
@@ -29851,23 +29871,13 @@
               <a:solidFill>
                 <a:schemeClr val="dk1"/>
               </a:solidFill>
-              <a:latin typeface="Courier New"/>
-              <a:ea typeface="Courier New"/>
-              <a:cs typeface="Courier New"/>
-              <a:sym typeface="Courier New"/>
             </a:endParaRPr>
           </a:p>
           <a:p>
-            <a:pPr marL="285750" marR="0" lvl="0" indent="-304800" algn="l" rtl="0">
+            <a:pPr marL="285750" indent="-304800">
               <a:lnSpc>
                 <a:spcPct val="150000"/>
               </a:lnSpc>
-              <a:spcBef>
-                <a:spcPts val="0"/>
-              </a:spcBef>
-              <a:spcAft>
-                <a:spcPts val="0"/>
-              </a:spcAft>
               <a:buClr>
                 <a:schemeClr val="dk1"/>
               </a:buClr>
@@ -30041,7 +30051,7 @@
                 <a:cs typeface="Courier New"/>
                 <a:sym typeface="Courier New"/>
               </a:rPr>
-              <a:t>promoters</a:t>
+              <a:t>people</a:t>
             </a:r>
             <a:r>
               <a:rPr lang="lt-LT">
@@ -30155,23 +30165,13 @@
               <a:solidFill>
                 <a:schemeClr val="dk1"/>
               </a:solidFill>
-              <a:latin typeface="Courier New"/>
-              <a:ea typeface="Courier New"/>
-              <a:cs typeface="Courier New"/>
-              <a:sym typeface="Courier New"/>
             </a:endParaRPr>
           </a:p>
           <a:p>
-            <a:pPr marL="285750" marR="0" lvl="0" indent="-304800" algn="l" rtl="0">
+            <a:pPr marL="285750" indent="-304800">
               <a:lnSpc>
                 <a:spcPct val="150000"/>
               </a:lnSpc>
-              <a:spcBef>
-                <a:spcPts val="0"/>
-              </a:spcBef>
-              <a:spcAft>
-                <a:spcPts val="0"/>
-              </a:spcAft>
               <a:buClr>
                 <a:schemeClr val="dk1"/>
               </a:buClr>
@@ -30369,16 +30369,34 @@
                 <a:cs typeface="Courier New"/>
                 <a:sym typeface="Courier New"/>
               </a:rPr>
-              <a:t>implementers</a:t>
-            </a:r>
-            <a:endParaRPr>
+              <a:t>people</a:t>
+            </a:r>
+            <a:endParaRPr lang="lt-LT" err="1">
+              <a:solidFill>
+                <a:schemeClr val="dk1"/>
+              </a:solidFill>
+              <a:sym typeface="Courier New"/>
+            </a:endParaRPr>
+          </a:p>
+          <a:p>
+            <a:pPr marL="285750" indent="-304800">
+              <a:lnSpc>
+                <a:spcPct val="150000"/>
+              </a:lnSpc>
+              <a:buClr>
+                <a:schemeClr val="dk1"/>
+              </a:buClr>
+              <a:buSzPts val="1400"/>
+              <a:buFont typeface="Courier New"/>
+              <a:buChar char="−"/>
+            </a:pPr>
+            <a:endParaRPr lang="lt-LT">
               <a:solidFill>
                 <a:schemeClr val="dk1"/>
               </a:solidFill>
               <a:latin typeface="Courier New"/>
               <a:ea typeface="Courier New"/>
               <a:cs typeface="Courier New"/>
-              <a:sym typeface="Courier New"/>
             </a:endParaRPr>
           </a:p>
         </p:txBody>
@@ -33744,17 +33762,6 @@
 </file>
 
 <file path=customXml/item1.xml><?xml version="1.0" encoding="utf-8"?>
-<p:properties xmlns:p="http://schemas.microsoft.com/office/2006/metadata/properties" xmlns:xsi="http://www.w3.org/2001/XMLSchema-instance" xmlns:pc="http://schemas.microsoft.com/office/infopath/2007/PartnerControls">
-  <documentManagement>
-    <TaxCatchAll xmlns="932cfc97-2775-4a64-b8cb-468b6d60467f" xsi:nil="true"/>
-    <lcf76f155ced4ddcb4097134ff3c332f xmlns="817cf992-43f0-4223-8f4f-cfde3572bafe">
-      <Terms xmlns="http://schemas.microsoft.com/office/infopath/2007/PartnerControls"/>
-    </lcf76f155ced4ddcb4097134ff3c332f>
-  </documentManagement>
-</p:properties>
-</file>
-
-<file path=customXml/item2.xml><?xml version="1.0" encoding="utf-8"?>
 <ct:contentTypeSchema xmlns:ct="http://schemas.microsoft.com/office/2006/metadata/contentType" xmlns:ma="http://schemas.microsoft.com/office/2006/metadata/properties/metaAttributes" ct:_="" ma:_="" ma:contentTypeName="Document" ma:contentTypeID="0x010100CA873D3C360DC543861D423F85D3BFBC" ma:contentTypeVersion="12" ma:contentTypeDescription="Create a new document." ma:contentTypeScope="" ma:versionID="9bced17d3d59fee32aaa4fcec6da3de1">
   <xsd:schema xmlns:xsd="http://www.w3.org/2001/XMLSchema" xmlns:xs="http://www.w3.org/2001/XMLSchema" xmlns:p="http://schemas.microsoft.com/office/2006/metadata/properties" xmlns:ns2="817cf992-43f0-4223-8f4f-cfde3572bafe" xmlns:ns3="932cfc97-2775-4a64-b8cb-468b6d60467f" targetNamespace="http://schemas.microsoft.com/office/2006/metadata/properties" ma:root="true" ma:fieldsID="404addd6dc5f5ab7dcbc0d0d10dcbe65" ns2:_="" ns3:_="">
     <xsd:import namespace="817cf992-43f0-4223-8f4f-cfde3572bafe"/>
@@ -33955,6 +33962,17 @@
 </ct:contentTypeSchema>
 </file>
 
+<file path=customXml/item2.xml><?xml version="1.0" encoding="utf-8"?>
+<p:properties xmlns:p="http://schemas.microsoft.com/office/2006/metadata/properties" xmlns:xsi="http://www.w3.org/2001/XMLSchema-instance" xmlns:pc="http://schemas.microsoft.com/office/infopath/2007/PartnerControls">
+  <documentManagement>
+    <TaxCatchAll xmlns="932cfc97-2775-4a64-b8cb-468b6d60467f" xsi:nil="true"/>
+    <lcf76f155ced4ddcb4097134ff3c332f xmlns="817cf992-43f0-4223-8f4f-cfde3572bafe">
+      <Terms xmlns="http://schemas.microsoft.com/office/infopath/2007/PartnerControls"/>
+    </lcf76f155ced4ddcb4097134ff3c332f>
+  </documentManagement>
+</p:properties>
+</file>
+
 <file path=customXml/item3.xml><?xml version="1.0" encoding="utf-8"?>
 <?mso-contentType ?>
 <FormTemplates xmlns="http://schemas.microsoft.com/sharepoint/v3/contenttype/forms">
@@ -33965,6 +33983,25 @@
 </file>
 
 <file path=customXml/itemProps1.xml><?xml version="1.0" encoding="utf-8"?>
+<ds:datastoreItem xmlns:ds="http://schemas.openxmlformats.org/officeDocument/2006/customXml" ds:itemID="{F31374C4-654F-419C-8B5D-2ECB06D27B14}">
+  <ds:schemaRefs>
+    <ds:schemaRef ds:uri="817cf992-43f0-4223-8f4f-cfde3572bafe"/>
+    <ds:schemaRef ds:uri="932cfc97-2775-4a64-b8cb-468b6d60467f"/>
+    <ds:schemaRef ds:uri="http://purl.org/dc/elements/1.1/"/>
+    <ds:schemaRef ds:uri="http://purl.org/dc/terms/"/>
+    <ds:schemaRef ds:uri="http://schemas.microsoft.com/internal/obd"/>
+    <ds:schemaRef ds:uri="http://schemas.microsoft.com/office/2006/documentManagement/types"/>
+    <ds:schemaRef ds:uri="http://schemas.microsoft.com/office/2006/metadata/contentType"/>
+    <ds:schemaRef ds:uri="http://schemas.microsoft.com/office/2006/metadata/properties"/>
+    <ds:schemaRef ds:uri="http://schemas.microsoft.com/office/2006/metadata/properties/metaAttributes"/>
+    <ds:schemaRef ds:uri="http://schemas.microsoft.com/office/infopath/2007/PartnerControls"/>
+    <ds:schemaRef ds:uri="http://schemas.openxmlformats.org/package/2006/metadata/core-properties"/>
+    <ds:schemaRef ds:uri="http://www.w3.org/2001/XMLSchema"/>
+  </ds:schemaRefs>
+</ds:datastoreItem>
+</file>
+
+<file path=customXml/itemProps2.xml><?xml version="1.0" encoding="utf-8"?>
 <ds:datastoreItem xmlns:ds="http://schemas.openxmlformats.org/officeDocument/2006/customXml" ds:itemID="{CFD77C73-32EE-43B0-A5EF-825BD8581FFC}">
   <ds:schemaRefs>
     <ds:schemaRef ds:uri="817cf992-43f0-4223-8f4f-cfde3572bafe"/>
@@ -33975,10 +34012,6 @@
 </ds:datastoreItem>
 </file>
 
-<file path=customXml/itemProps2.xml><?xml version="1.0" encoding="utf-8"?>
-<ds:datastoreItem xmlns:ds="http://schemas.openxmlformats.org/officeDocument/2006/customXml" ds:itemID="{F31374C4-654F-419C-8B5D-2ECB06D27B14}"/>
-</file>
-
 <file path=customXml/itemProps3.xml><?xml version="1.0" encoding="utf-8"?>
 <ds:datastoreItem xmlns:ds="http://schemas.openxmlformats.org/officeDocument/2006/customXml" ds:itemID="{2E389950-9020-4D71-AF71-1C6B82D52486}">
   <ds:schemaRefs>
